--- a/תרגול 4.pptx
+++ b/תרגול 4.pptx
@@ -123,7 +123,7 @@
 <file path=ppt/revisionInfo.xml><?xml version="1.0" encoding="utf-8"?>
 <p1510:revInfo xmlns:a="http://schemas.openxmlformats.org/drawingml/2006/main" xmlns:r="http://schemas.openxmlformats.org/officeDocument/2006/relationships" xmlns:p1510="http://schemas.microsoft.com/office/powerpoint/2015/10/main">
   <p1510:revLst>
-    <p1510:client id="{E4048920-3CF3-450E-8245-1265C059C81B}" v="22" dt="2024-03-11T18:10:26.969"/>
+    <p1510:client id="{E4048920-3CF3-450E-8245-1265C059C81B}" v="23" dt="2024-03-12T11:17:32.028"/>
   </p1510:revLst>
 </p1510:revInfo>
 </file>
@@ -133,7 +133,7 @@
   <pc:docChgLst>
     <pc:chgData name="משה עופר" userId="be54d6cb-761f-4aec-b214-5cfcb9fa6e02" providerId="ADAL" clId="{E4048920-3CF3-450E-8245-1265C059C81B}"/>
     <pc:docChg chg="undo custSel modSld sldOrd">
-      <pc:chgData name="משה עופר" userId="be54d6cb-761f-4aec-b214-5cfcb9fa6e02" providerId="ADAL" clId="{E4048920-3CF3-450E-8245-1265C059C81B}" dt="2024-03-11T18:10:47.442" v="108" actId="400"/>
+      <pc:chgData name="משה עופר" userId="be54d6cb-761f-4aec-b214-5cfcb9fa6e02" providerId="ADAL" clId="{E4048920-3CF3-450E-8245-1265C059C81B}" dt="2024-03-12T11:17:42.745" v="131" actId="20577"/>
       <pc:docMkLst>
         <pc:docMk/>
       </pc:docMkLst>
@@ -184,13 +184,13 @@
         </pc:spChg>
       </pc:sldChg>
       <pc:sldChg chg="modSp mod">
-        <pc:chgData name="משה עופר" userId="be54d6cb-761f-4aec-b214-5cfcb9fa6e02" providerId="ADAL" clId="{E4048920-3CF3-450E-8245-1265C059C81B}" dt="2024-03-11T18:07:47.998" v="69" actId="1076"/>
+        <pc:chgData name="משה עופר" userId="be54d6cb-761f-4aec-b214-5cfcb9fa6e02" providerId="ADAL" clId="{E4048920-3CF3-450E-8245-1265C059C81B}" dt="2024-03-12T11:17:42.745" v="131" actId="20577"/>
         <pc:sldMkLst>
           <pc:docMk/>
           <pc:sldMk cId="1975406177" sldId="259"/>
         </pc:sldMkLst>
         <pc:spChg chg="mod">
-          <ac:chgData name="משה עופר" userId="be54d6cb-761f-4aec-b214-5cfcb9fa6e02" providerId="ADAL" clId="{E4048920-3CF3-450E-8245-1265C059C81B}" dt="2024-03-11T18:07:47.998" v="69" actId="1076"/>
+          <ac:chgData name="משה עופר" userId="be54d6cb-761f-4aec-b214-5cfcb9fa6e02" providerId="ADAL" clId="{E4048920-3CF3-450E-8245-1265C059C81B}" dt="2024-03-12T11:17:42.745" v="131" actId="20577"/>
           <ac:spMkLst>
             <pc:docMk/>
             <pc:sldMk cId="1975406177" sldId="259"/>
@@ -346,11 +346,19 @@
         </pc:spChg>
       </pc:sldChg>
       <pc:sldChg chg="modSp mod">
-        <pc:chgData name="משה עופר" userId="be54d6cb-761f-4aec-b214-5cfcb9fa6e02" providerId="ADAL" clId="{E4048920-3CF3-450E-8245-1265C059C81B}" dt="2024-03-11T18:10:07.743" v="100" actId="1076"/>
+        <pc:chgData name="משה עופר" userId="be54d6cb-761f-4aec-b214-5cfcb9fa6e02" providerId="ADAL" clId="{E4048920-3CF3-450E-8245-1265C059C81B}" dt="2024-03-12T11:03:41.226" v="110" actId="1076"/>
         <pc:sldMkLst>
           <pc:docMk/>
           <pc:sldMk cId="2153109871" sldId="266"/>
         </pc:sldMkLst>
+        <pc:spChg chg="mod">
+          <ac:chgData name="משה עופר" userId="be54d6cb-761f-4aec-b214-5cfcb9fa6e02" providerId="ADAL" clId="{E4048920-3CF3-450E-8245-1265C059C81B}" dt="2024-03-12T11:03:41.226" v="110" actId="1076"/>
+          <ac:spMkLst>
+            <pc:docMk/>
+            <pc:sldMk cId="2153109871" sldId="266"/>
+            <ac:spMk id="2" creationId="{92AB7A56-8895-E2EB-F43E-6BF80D2CC8F7}"/>
+          </ac:spMkLst>
+        </pc:spChg>
         <pc:spChg chg="mod">
           <ac:chgData name="משה עופר" userId="be54d6cb-761f-4aec-b214-5cfcb9fa6e02" providerId="ADAL" clId="{E4048920-3CF3-450E-8245-1265C059C81B}" dt="2024-03-11T18:10:07.743" v="100" actId="1076"/>
           <ac:spMkLst>
@@ -561,7 +569,7 @@
           <a:p>
             <a:fld id="{C77D7D06-D39E-4FB5-B660-2A63D526CC1C}" type="datetimeFigureOut">
               <a:rPr lang="he-IL" smtClean="0"/>
-              <a:t>א'/אדר ב/תשפ"ד</a:t>
+              <a:t>ב'/אדר ב/תשפ"ד</a:t>
             </a:fld>
             <a:endParaRPr lang="he-IL"/>
           </a:p>
@@ -782,7 +790,7 @@
           <a:p>
             <a:fld id="{C77D7D06-D39E-4FB5-B660-2A63D526CC1C}" type="datetimeFigureOut">
               <a:rPr lang="he-IL" smtClean="0"/>
-              <a:t>א'/אדר ב/תשפ"ד</a:t>
+              <a:t>ב'/אדר ב/תשפ"ד</a:t>
             </a:fld>
             <a:endParaRPr lang="he-IL"/>
           </a:p>
@@ -962,7 +970,7 @@
           <a:p>
             <a:fld id="{C77D7D06-D39E-4FB5-B660-2A63D526CC1C}" type="datetimeFigureOut">
               <a:rPr lang="he-IL" smtClean="0"/>
-              <a:t>א'/אדר ב/תשפ"ד</a:t>
+              <a:t>ב'/אדר ב/תשפ"ד</a:t>
             </a:fld>
             <a:endParaRPr lang="he-IL"/>
           </a:p>
@@ -1132,7 +1140,7 @@
           <a:p>
             <a:fld id="{C77D7D06-D39E-4FB5-B660-2A63D526CC1C}" type="datetimeFigureOut">
               <a:rPr lang="he-IL" smtClean="0"/>
-              <a:t>א'/אדר ב/תשפ"ד</a:t>
+              <a:t>ב'/אדר ב/תשפ"ד</a:t>
             </a:fld>
             <a:endParaRPr lang="he-IL"/>
           </a:p>
@@ -1383,7 +1391,7 @@
           <a:p>
             <a:fld id="{C77D7D06-D39E-4FB5-B660-2A63D526CC1C}" type="datetimeFigureOut">
               <a:rPr lang="he-IL" smtClean="0"/>
-              <a:t>א'/אדר ב/תשפ"ד</a:t>
+              <a:t>ב'/אדר ב/תשפ"ד</a:t>
             </a:fld>
             <a:endParaRPr lang="he-IL"/>
           </a:p>
@@ -1706,7 +1714,7 @@
           <a:p>
             <a:fld id="{C77D7D06-D39E-4FB5-B660-2A63D526CC1C}" type="datetimeFigureOut">
               <a:rPr lang="he-IL" smtClean="0"/>
-              <a:t>א'/אדר ב/תשפ"ד</a:t>
+              <a:t>ב'/אדר ב/תשפ"ד</a:t>
             </a:fld>
             <a:endParaRPr lang="he-IL"/>
           </a:p>
@@ -2130,7 +2138,7 @@
           <a:p>
             <a:fld id="{C77D7D06-D39E-4FB5-B660-2A63D526CC1C}" type="datetimeFigureOut">
               <a:rPr lang="he-IL" smtClean="0"/>
-              <a:t>א'/אדר ב/תשפ"ד</a:t>
+              <a:t>ב'/אדר ב/תשפ"ד</a:t>
             </a:fld>
             <a:endParaRPr lang="he-IL"/>
           </a:p>
@@ -2248,7 +2256,7 @@
           <a:p>
             <a:fld id="{C77D7D06-D39E-4FB5-B660-2A63D526CC1C}" type="datetimeFigureOut">
               <a:rPr lang="he-IL" smtClean="0"/>
-              <a:t>א'/אדר ב/תשפ"ד</a:t>
+              <a:t>ב'/אדר ב/תשפ"ד</a:t>
             </a:fld>
             <a:endParaRPr lang="he-IL"/>
           </a:p>
@@ -2343,7 +2351,7 @@
           <a:p>
             <a:fld id="{C77D7D06-D39E-4FB5-B660-2A63D526CC1C}" type="datetimeFigureOut">
               <a:rPr lang="he-IL" smtClean="0"/>
-              <a:t>א'/אדר ב/תשפ"ד</a:t>
+              <a:t>ב'/אדר ב/תשפ"ד</a:t>
             </a:fld>
             <a:endParaRPr lang="he-IL"/>
           </a:p>
@@ -2633,7 +2641,7 @@
           <a:p>
             <a:fld id="{C77D7D06-D39E-4FB5-B660-2A63D526CC1C}" type="datetimeFigureOut">
               <a:rPr lang="he-IL" smtClean="0"/>
-              <a:t>א'/אדר ב/תשפ"ד</a:t>
+              <a:t>ב'/אדר ב/תשפ"ד</a:t>
             </a:fld>
             <a:endParaRPr lang="he-IL"/>
           </a:p>
@@ -2905,7 +2913,7 @@
           <a:p>
             <a:fld id="{C77D7D06-D39E-4FB5-B660-2A63D526CC1C}" type="datetimeFigureOut">
               <a:rPr lang="he-IL" smtClean="0"/>
-              <a:t>א'/אדר ב/תשפ"ד</a:t>
+              <a:t>ב'/אדר ב/תשפ"ד</a:t>
             </a:fld>
             <a:endParaRPr lang="he-IL"/>
           </a:p>
@@ -3159,7 +3167,7 @@
           <a:p>
             <a:fld id="{C77D7D06-D39E-4FB5-B660-2A63D526CC1C}" type="datetimeFigureOut">
               <a:rPr lang="he-IL" smtClean="0"/>
-              <a:t>א'/אדר ב/תשפ"ד</a:t>
+              <a:t>ב'/אדר ב/תשפ"ד</a:t>
             </a:fld>
             <a:endParaRPr lang="he-IL"/>
           </a:p>
@@ -4250,8 +4258,8 @@
           </a:p>
         </p:txBody>
       </p:sp>
-      <mc:AlternateContent xmlns:mc="http://schemas.openxmlformats.org/markup-compatibility/2006">
-        <mc:Choice xmlns:a14="http://schemas.microsoft.com/office/drawing/2010/main" Requires="a14">
+      <mc:AlternateContent xmlns:mc="http://schemas.openxmlformats.org/markup-compatibility/2006" xmlns:a14="http://schemas.microsoft.com/office/drawing/2010/main">
+        <mc:Choice Requires="a14">
           <p:sp>
             <p:nvSpPr>
               <p:cNvPr id="3" name="מציין מיקום תוכן 2">
@@ -4548,7 +4556,7 @@
             </p:txBody>
           </p:sp>
         </mc:Choice>
-        <mc:Fallback>
+        <mc:Fallback xmlns="">
           <p:sp>
             <p:nvSpPr>
               <p:cNvPr id="3" name="מציין מיקום תוכן 2">
@@ -5725,7 +5733,7 @@
                       <a:schemeClr val="tx2"/>
                     </a:solidFill>
                   </a:rPr>
-                  <a:t>biggestDigit</a:t>
+                  <a:t>greatestDigit</a:t>
                 </a:r>
                 <a:r>
                   <a:rPr lang="en-US" dirty="0">
@@ -5797,23 +5805,7 @@
                       <a:schemeClr val="tx2"/>
                     </a:solidFill>
                   </a:rPr>
-                  <a:t>Public static int </a:t>
-                </a:r>
-                <a:r>
-                  <a:rPr lang="en-US" dirty="0" err="1">
-                    <a:solidFill>
-                      <a:schemeClr val="tx2"/>
-                    </a:solidFill>
-                  </a:rPr>
-                  <a:t>atzeret</a:t>
-                </a:r>
-                <a:r>
-                  <a:rPr lang="en-US" dirty="0">
-                    <a:solidFill>
-                      <a:schemeClr val="tx2"/>
-                    </a:solidFill>
-                  </a:rPr>
-                  <a:t>(int n){}</a:t>
+                  <a:t>Public static int factorial(int n){}</a:t>
                 </a:r>
               </a:p>
               <a:p>
@@ -6030,8 +6022,8 @@
           <a:chExt cx="0" cy="0"/>
         </a:xfrm>
       </p:grpSpPr>
-      <mc:AlternateContent xmlns:mc="http://schemas.openxmlformats.org/markup-compatibility/2006">
-        <mc:Choice xmlns:a14="http://schemas.microsoft.com/office/drawing/2010/main" Requires="a14">
+      <mc:AlternateContent xmlns:mc="http://schemas.openxmlformats.org/markup-compatibility/2006" xmlns:a14="http://schemas.microsoft.com/office/drawing/2010/main">
+        <mc:Choice Requires="a14">
           <p:sp>
             <p:nvSpPr>
               <p:cNvPr id="3" name="מציין מיקום תוכן 2">
@@ -7365,7 +7357,7 @@
             </p:txBody>
           </p:sp>
         </mc:Choice>
-        <mc:Fallback>
+        <mc:Fallback xmlns="">
           <p:sp>
             <p:nvSpPr>
               <p:cNvPr id="3" name="מציין מיקום תוכן 2">
@@ -7439,8 +7431,8 @@
           <a:chExt cx="0" cy="0"/>
         </a:xfrm>
       </p:grpSpPr>
-      <mc:AlternateContent xmlns:mc="http://schemas.openxmlformats.org/markup-compatibility/2006">
-        <mc:Choice xmlns:a14="http://schemas.microsoft.com/office/drawing/2010/main" Requires="a14">
+      <mc:AlternateContent xmlns:mc="http://schemas.openxmlformats.org/markup-compatibility/2006" xmlns:a14="http://schemas.microsoft.com/office/drawing/2010/main">
+        <mc:Choice Requires="a14">
           <p:sp>
             <p:nvSpPr>
               <p:cNvPr id="3" name="מציין מיקום תוכן 2">
@@ -7830,7 +7822,7 @@
             </p:txBody>
           </p:sp>
         </mc:Choice>
-        <mc:Fallback>
+        <mc:Fallback xmlns="">
           <p:sp>
             <p:nvSpPr>
               <p:cNvPr id="3" name="מציין מיקום תוכן 2">
@@ -7922,7 +7914,7 @@
         </p:nvSpPr>
         <p:spPr>
           <a:xfrm>
-            <a:off x="1328057" y="-160937"/>
+            <a:off x="1317171" y="-139165"/>
             <a:ext cx="10515600" cy="1325563"/>
           </a:xfrm>
         </p:spPr>
@@ -7930,6 +7922,7 @@
           <a:bodyPr/>
           <a:lstStyle/>
           <a:p>
+            <a:pPr algn="r" rtl="1"/>
             <a:r>
               <a:rPr lang="he-IL" dirty="0"/>
               <a:t>תזכורת לנפה של ארטוסתנס</a:t>
@@ -7987,8 +7980,8 @@
           </a:extLst>
         </p:spPr>
       </p:pic>
-      <mc:AlternateContent xmlns:mc="http://schemas.openxmlformats.org/markup-compatibility/2006">
-        <mc:Choice xmlns:a14="http://schemas.microsoft.com/office/drawing/2010/main" Requires="a14">
+      <mc:AlternateContent xmlns:mc="http://schemas.openxmlformats.org/markup-compatibility/2006" xmlns:a14="http://schemas.microsoft.com/office/drawing/2010/main">
+        <mc:Choice Requires="a14">
           <p:sp>
             <p:nvSpPr>
               <p:cNvPr id="5" name="TextBox 4">
@@ -8124,7 +8117,7 @@
             </p:txBody>
           </p:sp>
         </mc:Choice>
-        <mc:Fallback>
+        <mc:Fallback xmlns="">
           <p:sp>
             <p:nvSpPr>
               <p:cNvPr id="5" name="TextBox 4">

--- a/תרגול 4.pptx
+++ b/תרגול 4.pptx
@@ -118,14 +118,6 @@
     </p:ext>
   </p:extLst>
 </p:presentation>
-</file>
-
-<file path=ppt/revisionInfo.xml><?xml version="1.0" encoding="utf-8"?>
-<p1510:revInfo xmlns:a="http://schemas.openxmlformats.org/drawingml/2006/main" xmlns:r="http://schemas.openxmlformats.org/officeDocument/2006/relationships" xmlns:p1510="http://schemas.microsoft.com/office/powerpoint/2015/10/main">
-  <p1510:revLst>
-    <p1510:client id="{E4048920-3CF3-450E-8245-1265C059C81B}" v="23" dt="2024-03-12T11:17:32.028"/>
-  </p1510:revLst>
-</p1510:revInfo>
 </file>
 
 <file path=ppt/changesInfos/changesInfo1.xml><?xml version="1.0" encoding="utf-8"?>
@@ -370,6 +362,30 @@
       </pc:sldChg>
     </pc:docChg>
   </pc:docChgLst>
+  <pc:docChgLst>
+    <pc:chgData name="משה עופר" userId="be54d6cb-761f-4aec-b214-5cfcb9fa6e02" providerId="ADAL" clId="{C3789A17-8E9D-4091-82BF-43E3CC73769C}"/>
+    <pc:docChg chg="modSld">
+      <pc:chgData name="משה עופר" userId="be54d6cb-761f-4aec-b214-5cfcb9fa6e02" providerId="ADAL" clId="{C3789A17-8E9D-4091-82BF-43E3CC73769C}" dt="2024-03-31T13:40:37.203" v="0" actId="20577"/>
+      <pc:docMkLst>
+        <pc:docMk/>
+      </pc:docMkLst>
+      <pc:sldChg chg="modSp mod">
+        <pc:chgData name="משה עופר" userId="be54d6cb-761f-4aec-b214-5cfcb9fa6e02" providerId="ADAL" clId="{C3789A17-8E9D-4091-82BF-43E3CC73769C}" dt="2024-03-31T13:40:37.203" v="0" actId="20577"/>
+        <pc:sldMkLst>
+          <pc:docMk/>
+          <pc:sldMk cId="1975406177" sldId="259"/>
+        </pc:sldMkLst>
+        <pc:spChg chg="mod">
+          <ac:chgData name="משה עופר" userId="be54d6cb-761f-4aec-b214-5cfcb9fa6e02" providerId="ADAL" clId="{C3789A17-8E9D-4091-82BF-43E3CC73769C}" dt="2024-03-31T13:40:37.203" v="0" actId="20577"/>
+          <ac:spMkLst>
+            <pc:docMk/>
+            <pc:sldMk cId="1975406177" sldId="259"/>
+            <ac:spMk id="3" creationId="{D2C9B4CB-4A54-4D54-B83D-EE18EAE97E84}"/>
+          </ac:spMkLst>
+        </pc:spChg>
+      </pc:sldChg>
+    </pc:docChg>
+  </pc:docChgLst>
 </pc:chgInfo>
 </file>
 
@@ -569,7 +585,7 @@
           <a:p>
             <a:fld id="{C77D7D06-D39E-4FB5-B660-2A63D526CC1C}" type="datetimeFigureOut">
               <a:rPr lang="he-IL" smtClean="0"/>
-              <a:t>ב'/אדר ב/תשפ"ד</a:t>
+              <a:t>כ"א/אדר ב/תשפ"ד</a:t>
             </a:fld>
             <a:endParaRPr lang="he-IL"/>
           </a:p>
@@ -790,7 +806,7 @@
           <a:p>
             <a:fld id="{C77D7D06-D39E-4FB5-B660-2A63D526CC1C}" type="datetimeFigureOut">
               <a:rPr lang="he-IL" smtClean="0"/>
-              <a:t>ב'/אדר ב/תשפ"ד</a:t>
+              <a:t>כ"א/אדר ב/תשפ"ד</a:t>
             </a:fld>
             <a:endParaRPr lang="he-IL"/>
           </a:p>
@@ -970,7 +986,7 @@
           <a:p>
             <a:fld id="{C77D7D06-D39E-4FB5-B660-2A63D526CC1C}" type="datetimeFigureOut">
               <a:rPr lang="he-IL" smtClean="0"/>
-              <a:t>ב'/אדר ב/תשפ"ד</a:t>
+              <a:t>כ"א/אדר ב/תשפ"ד</a:t>
             </a:fld>
             <a:endParaRPr lang="he-IL"/>
           </a:p>
@@ -1140,7 +1156,7 @@
           <a:p>
             <a:fld id="{C77D7D06-D39E-4FB5-B660-2A63D526CC1C}" type="datetimeFigureOut">
               <a:rPr lang="he-IL" smtClean="0"/>
-              <a:t>ב'/אדר ב/תשפ"ד</a:t>
+              <a:t>כ"א/אדר ב/תשפ"ד</a:t>
             </a:fld>
             <a:endParaRPr lang="he-IL"/>
           </a:p>
@@ -1391,7 +1407,7 @@
           <a:p>
             <a:fld id="{C77D7D06-D39E-4FB5-B660-2A63D526CC1C}" type="datetimeFigureOut">
               <a:rPr lang="he-IL" smtClean="0"/>
-              <a:t>ב'/אדר ב/תשפ"ד</a:t>
+              <a:t>כ"א/אדר ב/תשפ"ד</a:t>
             </a:fld>
             <a:endParaRPr lang="he-IL"/>
           </a:p>
@@ -1714,7 +1730,7 @@
           <a:p>
             <a:fld id="{C77D7D06-D39E-4FB5-B660-2A63D526CC1C}" type="datetimeFigureOut">
               <a:rPr lang="he-IL" smtClean="0"/>
-              <a:t>ב'/אדר ב/תשפ"ד</a:t>
+              <a:t>כ"א/אדר ב/תשפ"ד</a:t>
             </a:fld>
             <a:endParaRPr lang="he-IL"/>
           </a:p>
@@ -2138,7 +2154,7 @@
           <a:p>
             <a:fld id="{C77D7D06-D39E-4FB5-B660-2A63D526CC1C}" type="datetimeFigureOut">
               <a:rPr lang="he-IL" smtClean="0"/>
-              <a:t>ב'/אדר ב/תשפ"ד</a:t>
+              <a:t>כ"א/אדר ב/תשפ"ד</a:t>
             </a:fld>
             <a:endParaRPr lang="he-IL"/>
           </a:p>
@@ -2256,7 +2272,7 @@
           <a:p>
             <a:fld id="{C77D7D06-D39E-4FB5-B660-2A63D526CC1C}" type="datetimeFigureOut">
               <a:rPr lang="he-IL" smtClean="0"/>
-              <a:t>ב'/אדר ב/תשפ"ד</a:t>
+              <a:t>כ"א/אדר ב/תשפ"ד</a:t>
             </a:fld>
             <a:endParaRPr lang="he-IL"/>
           </a:p>
@@ -2351,7 +2367,7 @@
           <a:p>
             <a:fld id="{C77D7D06-D39E-4FB5-B660-2A63D526CC1C}" type="datetimeFigureOut">
               <a:rPr lang="he-IL" smtClean="0"/>
-              <a:t>ב'/אדר ב/תשפ"ד</a:t>
+              <a:t>כ"א/אדר ב/תשפ"ד</a:t>
             </a:fld>
             <a:endParaRPr lang="he-IL"/>
           </a:p>
@@ -2641,7 +2657,7 @@
           <a:p>
             <a:fld id="{C77D7D06-D39E-4FB5-B660-2A63D526CC1C}" type="datetimeFigureOut">
               <a:rPr lang="he-IL" smtClean="0"/>
-              <a:t>ב'/אדר ב/תשפ"ד</a:t>
+              <a:t>כ"א/אדר ב/תשפ"ד</a:t>
             </a:fld>
             <a:endParaRPr lang="he-IL"/>
           </a:p>
@@ -2913,7 +2929,7 @@
           <a:p>
             <a:fld id="{C77D7D06-D39E-4FB5-B660-2A63D526CC1C}" type="datetimeFigureOut">
               <a:rPr lang="he-IL" smtClean="0"/>
-              <a:t>ב'/אדר ב/תשפ"ד</a:t>
+              <a:t>כ"א/אדר ב/תשפ"ד</a:t>
             </a:fld>
             <a:endParaRPr lang="he-IL"/>
           </a:p>
@@ -3167,7 +3183,7 @@
           <a:p>
             <a:fld id="{C77D7D06-D39E-4FB5-B660-2A63D526CC1C}" type="datetimeFigureOut">
               <a:rPr lang="he-IL" smtClean="0"/>
-              <a:t>ב'/אדר ב/תשפ"ד</a:t>
+              <a:t>כ"א/אדר ב/תשפ"ד</a:t>
             </a:fld>
             <a:endParaRPr lang="he-IL"/>
           </a:p>
@@ -5924,12 +5940,20 @@
                   <a:buNone/>
                 </a:pPr>
                 <a:r>
+                  <a:rPr lang="en-US">
+                    <a:solidFill>
+                      <a:schemeClr val="tx2"/>
+                    </a:solidFill>
+                  </a:rPr>
+                  <a:t>Public static	 </a:t>
+                </a:r>
+                <a:r>
                   <a:rPr lang="en-US" dirty="0">
                     <a:solidFill>
                       <a:schemeClr val="tx2"/>
                     </a:solidFill>
                   </a:rPr>
-                  <a:t>Public static int sum(int n){}</a:t>
+                  <a:t>int sum(int n){}</a:t>
                 </a:r>
               </a:p>
               <a:p>
